--- a/Capstone TA/3D Printer Training Sep-2016.pptx
+++ b/Capstone TA/3D Printer Training Sep-2016.pptx
@@ -3010,6 +3010,18 @@
           <a:p>
             <a:r>
               <a:rPr lang="en-US" dirty="0" smtClean="0"/>
+              <a:t>Design Studio</a:t>
+            </a:r>
+          </a:p>
+          <a:p>
+            <a:r>
+              <a:rPr lang="en-US" dirty="0" smtClean="0"/>
+              <a:t>BME 489</a:t>
+            </a:r>
+          </a:p>
+          <a:p>
+            <a:r>
+              <a:rPr lang="en-US" dirty="0" smtClean="0"/>
               <a:t>22-Sep-2016</a:t>
             </a:r>
             <a:endParaRPr lang="en-US" dirty="0"/>
